--- a/My courses/Networks/Sesion5.pptx
+++ b/My courses/Networks/Sesion5.pptx
@@ -4996,7 +4996,6 @@
               <a:rPr lang="es-CO" dirty="0"/>
               <a:t>Competencias, próxima clase</a:t>
             </a:r>
-            <a:endParaRPr lang="es-CO" dirty="0"/>
           </a:p>
         </p:txBody>
       </p:sp>
@@ -5027,8 +5026,19 @@
           <a:p>
             <a:r>
               <a:rPr lang="es-MX" dirty="0"/>
-              <a:t>Explicar el uso de sockets y puertos</a:t>
-            </a:r>
+              <a:t>Explicar el uso de sockets y </a:t>
+            </a:r>
+            <a:r>
+              <a:rPr lang="es-MX" dirty="0" smtClean="0"/>
+              <a:t>puertos</a:t>
+            </a:r>
+          </a:p>
+          <a:p>
+            <a:r>
+              <a:rPr lang="es-MX" dirty="0" smtClean="0"/>
+              <a:t>Aplicar los métodos de Java para la comunicación entre un cliente  (jueves y viernes)</a:t>
+            </a:r>
+            <a:endParaRPr lang="es-MX" dirty="0"/>
           </a:p>
           <a:p>
             <a:r>
@@ -5037,7 +5047,11 @@
             </a:r>
             <a:r>
               <a:rPr lang="es-MX" dirty="0"/>
-              <a:t>los componentes de acceso al medio alambrado</a:t>
+              <a:t>los componentes de acceso al medio </a:t>
+            </a:r>
+            <a:r>
+              <a:rPr lang="es-MX" dirty="0" smtClean="0"/>
+              <a:t>alambrado (viernes)</a:t>
             </a:r>
             <a:endParaRPr lang="es-CO" dirty="0"/>
           </a:p>
@@ -6379,7 +6393,6 @@
               <a:rPr lang="es-CO" dirty="0"/>
               <a:t>de red?</a:t>
             </a:r>
-            <a:endParaRPr lang="es-CO" dirty="0"/>
           </a:p>
         </p:txBody>
       </p:sp>
@@ -6908,16 +6921,11 @@
               <a:rPr lang="es-CO" dirty="0" smtClean="0"/>
               <a:t>Java</a:t>
             </a:r>
-            <a:endParaRPr lang="es-CO" dirty="0" smtClean="0"/>
           </a:p>
           <a:p>
             <a:r>
               <a:rPr lang="es-CO" dirty="0" smtClean="0"/>
-              <a:t>Comparé </a:t>
-            </a:r>
-            <a:r>
-              <a:rPr lang="es-CO" dirty="0" smtClean="0"/>
-              <a:t>los modelos de referencia OSI y TCP/IP.</a:t>
+              <a:t>Comparé los modelos de referencia OSI y TCP/IP.</a:t>
             </a:r>
           </a:p>
           <a:p>
@@ -7077,14 +7085,14 @@
             <p:ph idx="1"/>
             <p:extLst>
               <p:ext uri="{D42A27DB-BD31-4B8C-83A1-F6EECF244321}">
-                <p14:modId xmlns:p14="http://schemas.microsoft.com/office/powerpoint/2010/main" val="1979503342"/>
+                <p14:modId xmlns:p14="http://schemas.microsoft.com/office/powerpoint/2010/main" val="2691622702"/>
               </p:ext>
             </p:extLst>
           </p:nvPr>
         </p:nvGraphicFramePr>
         <p:xfrm>
           <a:off x="1069975" y="2398436"/>
-          <a:ext cx="10058400" cy="3475554"/>
+          <a:ext cx="10058400" cy="3494063"/>
         </p:xfrm>
         <a:graphic>
           <a:graphicData uri="http://schemas.openxmlformats.org/drawingml/2006/table">
@@ -7508,7 +7516,7 @@
                 </a:extLst>
               </a:tr>
               <a:tr h="427326">
-                <a:tc rowSpan="6">
+                <a:tc rowSpan="3">
                   <a:txBody>
                     <a:bodyPr/>
                     <a:lstStyle/>
@@ -7518,7 +7526,13 @@
                         <a:rPr lang="es-CO" sz="1400" u="none" strike="noStrike" dirty="0">
                           <a:effectLst/>
                         </a:rPr>
-                        <a:t>Actividades DESPUÉS clase</a:t>
+                        <a:t>Actividades DESPUÉS </a:t>
+                      </a:r>
+                      <a:r>
+                        <a:rPr lang="es-CO" sz="1400" u="none" strike="noStrike" dirty="0" smtClean="0">
+                          <a:effectLst/>
+                        </a:rPr>
+                        <a:t>clase -  jueves</a:t>
                       </a:r>
                       <a:endParaRPr lang="es-CO" sz="1400" b="1" i="0" u="none" strike="noStrike" dirty="0">
                         <a:solidFill>
@@ -7584,7 +7598,13 @@
                         <a:rPr lang="es-MX" sz="1400" u="none" strike="noStrike" dirty="0" smtClean="0">
                           <a:effectLst/>
                         </a:rPr>
-                        <a:t>Leer del libro 1 las páginas 57-92</a:t>
+                        <a:t>Leer del libro 1 las páginas </a:t>
+                      </a:r>
+                      <a:r>
+                        <a:rPr lang="es-MX" sz="1400" u="none" strike="noStrike" dirty="0" smtClean="0">
+                          <a:effectLst/>
+                        </a:rPr>
+                        <a:t>57-83</a:t>
                       </a:r>
                       <a:endParaRPr lang="es-MX" sz="1400" b="0" i="0" u="none" strike="noStrike" dirty="0">
                         <a:solidFill>
@@ -7648,54 +7668,6 @@
                     <a:lstStyle/>
                     <a:p>
                       <a:pPr algn="l" fontAlgn="b"/>
-                      <a:r>
-                        <a:rPr lang="es-MX" sz="1400" u="none" strike="noStrike" kern="1200" dirty="0" smtClean="0">
-                          <a:solidFill>
-                            <a:schemeClr val="dk1"/>
-                          </a:solidFill>
-                          <a:effectLst/>
-                          <a:latin typeface="+mn-lt"/>
-                          <a:ea typeface="+mn-ea"/>
-                          <a:cs typeface="+mn-cs"/>
-                        </a:rPr>
-                        <a:t>A2. </a:t>
-                      </a:r>
-                      <a:r>
-                        <a:rPr lang="es-MX" sz="1400" u="none" strike="noStrike" kern="1200" dirty="0" smtClean="0">
-                          <a:solidFill>
-                            <a:schemeClr val="dk1"/>
-                          </a:solidFill>
-                          <a:effectLst/>
-                          <a:latin typeface="+mn-lt"/>
-                          <a:ea typeface="+mn-ea"/>
-                          <a:cs typeface="+mn-cs"/>
-                        </a:rPr>
-                        <a:t>Leer del libro 3 la</a:t>
-                      </a:r>
-                      <a:r>
-                        <a:rPr lang="es-MX" sz="1400" u="none" strike="noStrike" kern="1200" baseline="0" dirty="0" smtClean="0">
-                          <a:solidFill>
-                            <a:schemeClr val="dk1"/>
-                          </a:solidFill>
-                          <a:effectLst/>
-                          <a:latin typeface="+mn-lt"/>
-                          <a:ea typeface="+mn-ea"/>
-                          <a:cs typeface="+mn-cs"/>
-                        </a:rPr>
-                        <a:t> sección</a:t>
-                      </a:r>
-                      <a:r>
-                        <a:rPr lang="es-MX" sz="1400" u="none" strike="noStrike" kern="1200" dirty="0" smtClean="0">
-                          <a:solidFill>
-                            <a:schemeClr val="dk1"/>
-                          </a:solidFill>
-                          <a:effectLst/>
-                          <a:latin typeface="+mn-lt"/>
-                          <a:ea typeface="+mn-ea"/>
-                          <a:cs typeface="+mn-cs"/>
-                        </a:rPr>
-                        <a:t> 2.2</a:t>
-                      </a:r>
                       <a:endParaRPr lang="es-MX" sz="1400" u="none" strike="noStrike" kern="1200" dirty="0">
                         <a:solidFill>
                           <a:schemeClr val="dk1"/>
@@ -7726,6 +7698,15 @@
                       <a:headEnd type="none" w="med" len="med"/>
                       <a:tailEnd type="none" w="med" len="med"/>
                     </a:lnR>
+                    <a:lnB w="12700" cap="flat" cmpd="sng" algn="ctr">
+                      <a:solidFill>
+                        <a:schemeClr val="tx1"/>
+                      </a:solidFill>
+                      <a:prstDash val="solid"/>
+                      <a:round/>
+                      <a:headEnd type="none" w="med" len="med"/>
+                      <a:tailEnd type="none" w="med" len="med"/>
+                    </a:lnB>
                   </a:tcPr>
                 </a:tc>
                 <a:extLst>
@@ -7734,7 +7715,7 @@
                   </a:ext>
                 </a:extLst>
               </a:tr>
-              <a:tr h="217411">
+              <a:tr h="0">
                 <a:tc vMerge="1">
                   <a:txBody>
                     <a:bodyPr/>
@@ -7745,7 +7726,7 @@
                   </a:txBody>
                   <a:tcPr/>
                 </a:tc>
-                <a:tc>
+                <a:tc rowSpan="2">
                   <a:txBody>
                     <a:bodyPr/>
                     <a:lstStyle/>
@@ -7779,11 +7760,123 @@
                       <a:headEnd type="none" w="med" len="med"/>
                       <a:tailEnd type="none" w="med" len="med"/>
                     </a:lnR>
+                    <a:lnT w="12700" cap="flat" cmpd="sng" algn="ctr">
+                      <a:solidFill>
+                        <a:schemeClr val="tx1"/>
+                      </a:solidFill>
+                      <a:prstDash val="solid"/>
+                      <a:round/>
+                      <a:headEnd type="none" w="med" len="med"/>
+                      <a:tailEnd type="none" w="med" len="med"/>
+                    </a:lnT>
                   </a:tcPr>
                 </a:tc>
                 <a:extLst>
                   <a:ext uri="{0D108BD9-81ED-4DB2-BD59-A6C34878D82A}">
                     <a16:rowId xmlns:a16="http://schemas.microsoft.com/office/drawing/2014/main" val="790375216"/>
+                  </a:ext>
+                </a:extLst>
+              </a:tr>
+              <a:tr h="206469">
+                <a:tc rowSpan="4">
+                  <a:txBody>
+                    <a:bodyPr/>
+                    <a:lstStyle/>
+                    <a:p>
+                      <a:pPr marL="0" marR="0" indent="0" algn="ctr" defTabSz="914400" rtl="0" eaLnBrk="1" fontAlgn="ctr" latinLnBrk="0" hangingPunct="1">
+                        <a:lnSpc>
+                          <a:spcPct val="100000"/>
+                        </a:lnSpc>
+                        <a:spcBef>
+                          <a:spcPts val="0"/>
+                        </a:spcBef>
+                        <a:spcAft>
+                          <a:spcPts val="0"/>
+                        </a:spcAft>
+                        <a:buClrTx/>
+                        <a:buSzTx/>
+                        <a:buFontTx/>
+                        <a:buNone/>
+                        <a:tabLst/>
+                        <a:defRPr/>
+                      </a:pPr>
+                      <a:r>
+                        <a:rPr lang="es-CO" sz="1400" u="none" strike="noStrike" dirty="0" smtClean="0">
+                          <a:effectLst/>
+                        </a:rPr>
+                        <a:t>Actividades DESPUÉS clase - viernes</a:t>
+                      </a:r>
+                      <a:endParaRPr lang="es-CO" sz="1400" b="1" i="0" u="none" strike="noStrike" dirty="0" smtClean="0">
+                        <a:solidFill>
+                          <a:srgbClr val="000000"/>
+                        </a:solidFill>
+                        <a:effectLst/>
+                        <a:latin typeface="Century Gothic" panose="020B0502020202020204" pitchFamily="34" charset="0"/>
+                      </a:endParaRPr>
+                    </a:p>
+                    <a:p>
+                      <a:pPr algn="ctr" fontAlgn="ctr"/>
+                      <a:endParaRPr lang="es-CO" sz="1400" b="1" i="0" u="none" strike="noStrike" dirty="0">
+                        <a:solidFill>
+                          <a:srgbClr val="000000"/>
+                        </a:solidFill>
+                        <a:effectLst/>
+                        <a:latin typeface="Century Gothic" panose="020B0502020202020204" pitchFamily="34" charset="0"/>
+                      </a:endParaRPr>
+                    </a:p>
+                  </a:txBody>
+                  <a:tcPr marL="7497" marR="7497" marT="7497" marB="0" anchor="ctr">
+                    <a:lnL w="12700" cap="flat" cmpd="sng" algn="ctr">
+                      <a:solidFill>
+                        <a:schemeClr val="tx1"/>
+                      </a:solidFill>
+                      <a:prstDash val="solid"/>
+                      <a:round/>
+                      <a:headEnd type="none" w="med" len="med"/>
+                      <a:tailEnd type="none" w="med" len="med"/>
+                    </a:lnL>
+                    <a:lnR w="12700" cap="flat" cmpd="sng" algn="ctr">
+                      <a:solidFill>
+                        <a:schemeClr val="tx1"/>
+                      </a:solidFill>
+                      <a:prstDash val="solid"/>
+                      <a:round/>
+                      <a:headEnd type="none" w="med" len="med"/>
+                      <a:tailEnd type="none" w="med" len="med"/>
+                    </a:lnR>
+                    <a:lnT w="12700" cap="flat" cmpd="sng" algn="ctr">
+                      <a:solidFill>
+                        <a:schemeClr val="tx1"/>
+                      </a:solidFill>
+                      <a:prstDash val="solid"/>
+                      <a:round/>
+                      <a:headEnd type="none" w="med" len="med"/>
+                      <a:tailEnd type="none" w="med" len="med"/>
+                    </a:lnT>
+                    <a:lnB w="12700" cap="flat" cmpd="sng" algn="ctr">
+                      <a:solidFill>
+                        <a:schemeClr val="tx1"/>
+                      </a:solidFill>
+                      <a:prstDash val="solid"/>
+                      <a:round/>
+                      <a:headEnd type="none" w="med" len="med"/>
+                      <a:tailEnd type="none" w="med" len="med"/>
+                    </a:lnB>
+                  </a:tcPr>
+                </a:tc>
+                <a:tc vMerge="1">
+                  <a:txBody>
+                    <a:bodyPr/>
+                    <a:lstStyle/>
+                    <a:p>
+                      <a:endParaRPr lang="es-CO"/>
+                    </a:p>
+                  </a:txBody>
+                  <a:tcPr/>
+                </a:tc>
+                <a:extLst>
+                  <a:ext uri="{0D108BD9-81ED-4DB2-BD59-A6C34878D82A}">
+                    <a16:rowId xmlns:a16="http://schemas.microsoft.com/office/drawing/2014/main" val="2475873964"/>
                   </a:ext>
                 </a:extLst>
               </a:tr>
@@ -7804,7 +7897,13 @@
                     <a:lstStyle/>
                     <a:p>
                       <a:pPr algn="l" fontAlgn="b"/>
-                      <a:endParaRPr lang="es-CO" sz="1400" b="0" i="0" u="none" strike="noStrike" dirty="0">
+                      <a:r>
+                        <a:rPr lang="es-MX" sz="1400" u="none" strike="noStrike" dirty="0" smtClean="0">
+                          <a:effectLst/>
+                        </a:rPr>
+                        <a:t>A1. Leer del libro 1 las páginas 83-92</a:t>
+                      </a:r>
+                      <a:endParaRPr lang="es-MX" sz="1400" b="0" i="0" u="none" strike="noStrike" dirty="0">
                         <a:solidFill>
                           <a:srgbClr val="000000"/>
                         </a:solidFill>
@@ -7857,12 +7956,38 @@
                     <a:lstStyle/>
                     <a:p>
                       <a:pPr algn="l" fontAlgn="b"/>
-                      <a:endParaRPr lang="es-CO" sz="1400" b="0" i="0" u="none" strike="noStrike" dirty="0">
+                      <a:r>
+                        <a:rPr lang="es-CO" sz="1400" u="none" strike="noStrike" kern="1200" dirty="0" smtClean="0">
+                          <a:solidFill>
+                            <a:schemeClr val="dk1"/>
+                          </a:solidFill>
+                          <a:effectLst/>
+                          <a:latin typeface="+mn-lt"/>
+                          <a:ea typeface="+mn-ea"/>
+                          <a:cs typeface="+mn-cs"/>
+                        </a:rPr>
+                        <a:t>A2. Leer del libro 3 las páginas 77-78</a:t>
+                      </a:r>
+                      <a:r>
+                        <a:rPr lang="es-CO" sz="1400" u="none" strike="noStrike" kern="1200" smtClean="0">
+                          <a:solidFill>
+                            <a:schemeClr val="dk1"/>
+                          </a:solidFill>
+                          <a:effectLst/>
+                          <a:latin typeface="+mn-lt"/>
+                          <a:ea typeface="+mn-ea"/>
+                          <a:cs typeface="+mn-cs"/>
+                        </a:rPr>
+                        <a:t>, 82-85</a:t>
+                      </a:r>
+                      <a:endParaRPr lang="es-CO" sz="1400" u="none" strike="noStrike" kern="1200" dirty="0">
                         <a:solidFill>
-                          <a:srgbClr val="000000"/>
+                          <a:schemeClr val="dk1"/>
                         </a:solidFill>
                         <a:effectLst/>
-                        <a:latin typeface="Century Gothic" panose="020B0502020202020204" pitchFamily="34" charset="0"/>
+                        <a:latin typeface="+mn-lt"/>
+                        <a:ea typeface="+mn-ea"/>
+                        <a:cs typeface="+mn-cs"/>
                       </a:endParaRPr>
                     </a:p>
                   </a:txBody>
